--- a/4 ⚙️ Solution/50 🫥 Agent domains/Editors 🧑‍💻/.📎 Assets/🧑‍💻 Editor.pptx
+++ b/4 ⚙️ Solution/50 🫥 Agent domains/Editors 🧑‍💻/.📎 Assets/🧑‍💻 Editor.pptx
@@ -5,35 +5,34 @@
     <p:sldMasterId id="2147483648" r:id="rId1"/>
   </p:sldMasterIdLst>
   <p:notesMasterIdLst>
-    <p:notesMasterId r:id="rId8"/>
+    <p:notesMasterId r:id="rId7"/>
   </p:notesMasterIdLst>
   <p:handoutMasterIdLst>
-    <p:handoutMasterId r:id="rId9"/>
+    <p:handoutMasterId r:id="rId8"/>
   </p:handoutMasterIdLst>
   <p:sldIdLst>
-    <p:sldId id="1828" r:id="rId2"/>
-    <p:sldId id="1830" r:id="rId3"/>
-    <p:sldId id="1833" r:id="rId4"/>
-    <p:sldId id="1834" r:id="rId5"/>
-    <p:sldId id="1831" r:id="rId6"/>
-    <p:sldId id="1832" r:id="rId7"/>
+    <p:sldId id="1830" r:id="rId2"/>
+    <p:sldId id="1833" r:id="rId3"/>
+    <p:sldId id="1834" r:id="rId4"/>
+    <p:sldId id="1831" r:id="rId5"/>
+    <p:sldId id="1832" r:id="rId6"/>
   </p:sldIdLst>
   <p:sldSz cx="12192000" cy="6858000"/>
   <p:notesSz cx="6858000" cy="9144000"/>
   <p:embeddedFontLst>
     <p:embeddedFont>
       <p:font typeface="Amazon Ember" panose="020B0603020204020204" pitchFamily="34" charset="0"/>
-      <p:regular r:id="rId10"/>
-      <p:bold r:id="rId11"/>
-      <p:italic r:id="rId12"/>
-      <p:boldItalic r:id="rId13"/>
+      <p:regular r:id="rId9"/>
+      <p:bold r:id="rId10"/>
+      <p:italic r:id="rId11"/>
+      <p:boldItalic r:id="rId12"/>
     </p:embeddedFont>
     <p:embeddedFont>
       <p:font typeface="Amazon Ember Display" panose="020F0603020204020204" pitchFamily="34" charset="0"/>
-      <p:regular r:id="rId14"/>
-      <p:bold r:id="rId15"/>
-      <p:italic r:id="rId16"/>
-      <p:boldItalic r:id="rId17"/>
+      <p:regular r:id="rId13"/>
+      <p:bold r:id="rId14"/>
+      <p:italic r:id="rId15"/>
+      <p:boldItalic r:id="rId16"/>
     </p:embeddedFont>
   </p:embeddedFontLst>
   <p:defaultTextStyle>
@@ -136,7 +135,6 @@
       <p14:sectionLst xmlns:p14="http://schemas.microsoft.com/office/powerpoint/2010/main">
         <p14:section name="🎫 User Tokens" id="{5BB8783E-791A-B349-BE77-880923C0C2DD}">
           <p14:sldIdLst>
-            <p14:sldId id="1828"/>
             <p14:sldId id="1830"/>
             <p14:sldId id="1833"/>
             <p14:sldId id="1834"/>
@@ -1042,94 +1040,6 @@
         <p:cNvPr id="1" name="">
           <a:extLst>
             <a:ext uri="{FF2B5EF4-FFF2-40B4-BE49-F238E27FC236}">
-              <a16:creationId xmlns:a16="http://schemas.microsoft.com/office/drawing/2014/main" id="{16198168-3D4B-57B5-ADE8-374B396E980A}"/>
-            </a:ext>
-          </a:extLst>
-        </p:cNvPr>
-        <p:cNvGrpSpPr/>
-        <p:nvPr/>
-      </p:nvGrpSpPr>
-      <p:grpSpPr>
-        <a:xfrm>
-          <a:off x="0" y="0"/>
-          <a:ext cx="0" cy="0"/>
-          <a:chOff x="0" y="0"/>
-          <a:chExt cx="0" cy="0"/>
-        </a:xfrm>
-      </p:grpSpPr>
-      <p:sp>
-        <p:nvSpPr>
-          <p:cNvPr id="2" name="TextBox 1">
-            <a:extLst>
-              <a:ext uri="{FF2B5EF4-FFF2-40B4-BE49-F238E27FC236}">
-                <a16:creationId xmlns:a16="http://schemas.microsoft.com/office/drawing/2014/main" id="{F55871F0-E310-DFD8-F365-366F8B609C63}"/>
-              </a:ext>
-            </a:extLst>
-          </p:cNvPr>
-          <p:cNvSpPr txBox="1"/>
-          <p:nvPr/>
-        </p:nvSpPr>
-        <p:spPr>
-          <a:xfrm>
-            <a:off x="1521508" y="1613118"/>
-            <a:ext cx="9148983" cy="1862048"/>
-          </a:xfrm>
-          <a:prstGeom prst="rect">
-            <a:avLst/>
-          </a:prstGeom>
-          <a:noFill/>
-        </p:spPr>
-        <p:txBody>
-          <a:bodyPr wrap="square" lIns="0" rIns="0" rtlCol="0">
-            <a:spAutoFit/>
-          </a:bodyPr>
-          <a:lstStyle/>
-          <a:p>
-            <a:pPr algn="ctr"/>
-            <a:r>
-              <a:rPr lang="en-GB" sz="11500" dirty="0">
-                <a:solidFill>
-                  <a:srgbClr val="FFFF00"/>
-                </a:solidFill>
-              </a:rPr>
-              <a:t>🗂️ Folders</a:t>
-            </a:r>
-          </a:p>
-        </p:txBody>
-      </p:sp>
-    </p:spTree>
-    <p:extLst>
-      <p:ext uri="{BB962C8B-B14F-4D97-AF65-F5344CB8AC3E}">
-        <p14:creationId xmlns:p14="http://schemas.microsoft.com/office/powerpoint/2010/main" val="892801241"/>
-      </p:ext>
-    </p:extLst>
-  </p:cSld>
-  <p:clrMapOvr>
-    <a:masterClrMapping/>
-  </p:clrMapOvr>
-  <mc:AlternateContent xmlns:mc="http://schemas.openxmlformats.org/markup-compatibility/2006" xmlns:p14="http://schemas.microsoft.com/office/powerpoint/2010/main">
-    <mc:Choice Requires="p14">
-      <p:transition spd="med" p14:dur="700">
-        <p:fade/>
-      </p:transition>
-    </mc:Choice>
-    <mc:Fallback xmlns="">
-      <p:transition spd="med">
-        <p:fade/>
-      </p:transition>
-    </mc:Fallback>
-  </mc:AlternateContent>
-</p:sld>
-</file>
-
-<file path=ppt/slides/slide2.xml><?xml version="1.0" encoding="utf-8"?>
-<p:sld xmlns:a="http://schemas.openxmlformats.org/drawingml/2006/main" xmlns:r="http://schemas.openxmlformats.org/officeDocument/2006/relationships" xmlns:p="http://schemas.openxmlformats.org/presentationml/2006/main">
-  <p:cSld>
-    <p:spTree>
-      <p:nvGrpSpPr>
-        <p:cNvPr id="1" name="">
-          <a:extLst>
-            <a:ext uri="{FF2B5EF4-FFF2-40B4-BE49-F238E27FC236}">
               <a16:creationId xmlns:a16="http://schemas.microsoft.com/office/drawing/2014/main" id="{C2C58934-38A8-949C-4561-AE903C48C7CC}"/>
             </a:ext>
           </a:extLst>
@@ -2325,7 +2235,7 @@
                   </a:glow>
                 </a:effectLst>
               </a:rPr>
-              <a:t>🗂️</a:t>
+              <a:t>🧑‍💻</a:t>
             </a:r>
             <a:r>
               <a:rPr lang="en-GB" sz="2400" baseline="-9000" dirty="0">
@@ -2350,7 +2260,7 @@
                 <a:latin typeface="+mj-lt"/>
                 <a:cs typeface="Arial" panose="020B0604020202020204" pitchFamily="34" charset="0"/>
               </a:rPr>
-              <a:t>Folder</a:t>
+              <a:t>Editor</a:t>
             </a:r>
           </a:p>
         </p:txBody>
@@ -3772,7 +3682,7 @@
 </p:sld>
 </file>
 
-<file path=ppt/slides/slide3.xml><?xml version="1.0" encoding="utf-8"?>
+<file path=ppt/slides/slide2.xml><?xml version="1.0" encoding="utf-8"?>
 <p:sld xmlns:a="http://schemas.openxmlformats.org/drawingml/2006/main" xmlns:r="http://schemas.openxmlformats.org/officeDocument/2006/relationships" xmlns:p="http://schemas.openxmlformats.org/presentationml/2006/main">
   <p:cSld>
     <p:spTree>
@@ -8251,7 +8161,7 @@
 </p:sld>
 </file>
 
-<file path=ppt/slides/slide4.xml><?xml version="1.0" encoding="utf-8"?>
+<file path=ppt/slides/slide3.xml><?xml version="1.0" encoding="utf-8"?>
 <p:sld xmlns:a="http://schemas.openxmlformats.org/drawingml/2006/main" xmlns:r="http://schemas.openxmlformats.org/officeDocument/2006/relationships" xmlns:p="http://schemas.openxmlformats.org/presentationml/2006/main">
   <p:cSld>
     <p:spTree>
@@ -9871,7 +9781,7 @@
                   </a:glow>
                 </a:effectLst>
               </a:rPr>
-              <a:t>🗂️</a:t>
+              <a:t>🧑‍💻</a:t>
             </a:r>
             <a:r>
               <a:rPr lang="en-GB" sz="2400" baseline="-9000" dirty="0">
@@ -9896,7 +9806,7 @@
                 <a:latin typeface="+mj-lt"/>
                 <a:cs typeface="Arial" panose="020B0604020202020204" pitchFamily="34" charset="0"/>
               </a:rPr>
-              <a:t>Folder</a:t>
+              <a:t>Editor</a:t>
             </a:r>
           </a:p>
         </p:txBody>
@@ -11816,7 +11726,7 @@
 </p:sld>
 </file>
 
-<file path=ppt/slides/slide5.xml><?xml version="1.0" encoding="utf-8"?>
+<file path=ppt/slides/slide4.xml><?xml version="1.0" encoding="utf-8"?>
 <p:sld xmlns:a="http://schemas.openxmlformats.org/drawingml/2006/main" xmlns:r="http://schemas.openxmlformats.org/officeDocument/2006/relationships" xmlns:p="http://schemas.openxmlformats.org/presentationml/2006/main" show="0">
   <p:cSld>
     <p:spTree>
@@ -13155,7 +13065,7 @@
 </p:sld>
 </file>
 
-<file path=ppt/slides/slide6.xml><?xml version="1.0" encoding="utf-8"?>
+<file path=ppt/slides/slide5.xml><?xml version="1.0" encoding="utf-8"?>
 <p:sld xmlns:a="http://schemas.openxmlformats.org/drawingml/2006/main" xmlns:r="http://schemas.openxmlformats.org/officeDocument/2006/relationships" xmlns:p="http://schemas.openxmlformats.org/presentationml/2006/main">
   <p:cSld>
     <p:spTree>
